--- a/06 gif animacija/ГИФ анимација у програму ГИМП.pptx
+++ b/06 gif animacija/ГИФ анимација у програму ГИМП.pptx
@@ -295,7 +295,7 @@
           <a:p>
             <a:fld id="{A20994E6-E612-45B4-B7A8-79DA03870200}" type="datetimeFigureOut">
               <a:rPr lang="en-US" smtClean="0"/>
-              <a:t>07-Oct-24</a:t>
+              <a:t>21-Oct-24</a:t>
             </a:fld>
             <a:endParaRPr lang="en-US"/>
           </a:p>
@@ -465,7 +465,7 @@
           <a:p>
             <a:fld id="{A20994E6-E612-45B4-B7A8-79DA03870200}" type="datetimeFigureOut">
               <a:rPr lang="en-US" smtClean="0"/>
-              <a:t>07-Oct-24</a:t>
+              <a:t>21-Oct-24</a:t>
             </a:fld>
             <a:endParaRPr lang="en-US"/>
           </a:p>
@@ -645,7 +645,7 @@
           <a:p>
             <a:fld id="{A20994E6-E612-45B4-B7A8-79DA03870200}" type="datetimeFigureOut">
               <a:rPr lang="en-US" smtClean="0"/>
-              <a:t>07-Oct-24</a:t>
+              <a:t>21-Oct-24</a:t>
             </a:fld>
             <a:endParaRPr lang="en-US"/>
           </a:p>
@@ -815,7 +815,7 @@
           <a:p>
             <a:fld id="{A20994E6-E612-45B4-B7A8-79DA03870200}" type="datetimeFigureOut">
               <a:rPr lang="en-US" smtClean="0"/>
-              <a:t>07-Oct-24</a:t>
+              <a:t>21-Oct-24</a:t>
             </a:fld>
             <a:endParaRPr lang="en-US"/>
           </a:p>
@@ -1061,7 +1061,7 @@
           <a:p>
             <a:fld id="{A20994E6-E612-45B4-B7A8-79DA03870200}" type="datetimeFigureOut">
               <a:rPr lang="en-US" smtClean="0"/>
-              <a:t>07-Oct-24</a:t>
+              <a:t>21-Oct-24</a:t>
             </a:fld>
             <a:endParaRPr lang="en-US"/>
           </a:p>
@@ -1349,7 +1349,7 @@
           <a:p>
             <a:fld id="{A20994E6-E612-45B4-B7A8-79DA03870200}" type="datetimeFigureOut">
               <a:rPr lang="en-US" smtClean="0"/>
-              <a:t>07-Oct-24</a:t>
+              <a:t>21-Oct-24</a:t>
             </a:fld>
             <a:endParaRPr lang="en-US"/>
           </a:p>
@@ -1771,7 +1771,7 @@
           <a:p>
             <a:fld id="{A20994E6-E612-45B4-B7A8-79DA03870200}" type="datetimeFigureOut">
               <a:rPr lang="en-US" smtClean="0"/>
-              <a:t>07-Oct-24</a:t>
+              <a:t>21-Oct-24</a:t>
             </a:fld>
             <a:endParaRPr lang="en-US"/>
           </a:p>
@@ -1889,7 +1889,7 @@
           <a:p>
             <a:fld id="{A20994E6-E612-45B4-B7A8-79DA03870200}" type="datetimeFigureOut">
               <a:rPr lang="en-US" smtClean="0"/>
-              <a:t>07-Oct-24</a:t>
+              <a:t>21-Oct-24</a:t>
             </a:fld>
             <a:endParaRPr lang="en-US"/>
           </a:p>
@@ -1984,7 +1984,7 @@
           <a:p>
             <a:fld id="{A20994E6-E612-45B4-B7A8-79DA03870200}" type="datetimeFigureOut">
               <a:rPr lang="en-US" smtClean="0"/>
-              <a:t>07-Oct-24</a:t>
+              <a:t>21-Oct-24</a:t>
             </a:fld>
             <a:endParaRPr lang="en-US"/>
           </a:p>
@@ -2261,7 +2261,7 @@
           <a:p>
             <a:fld id="{A20994E6-E612-45B4-B7A8-79DA03870200}" type="datetimeFigureOut">
               <a:rPr lang="en-US" smtClean="0"/>
-              <a:t>07-Oct-24</a:t>
+              <a:t>21-Oct-24</a:t>
             </a:fld>
             <a:endParaRPr lang="en-US"/>
           </a:p>
@@ -2514,7 +2514,7 @@
           <a:p>
             <a:fld id="{A20994E6-E612-45B4-B7A8-79DA03870200}" type="datetimeFigureOut">
               <a:rPr lang="en-US" smtClean="0"/>
-              <a:t>07-Oct-24</a:t>
+              <a:t>21-Oct-24</a:t>
             </a:fld>
             <a:endParaRPr lang="en-US"/>
           </a:p>
@@ -2757,7 +2757,7 @@
           <a:p>
             <a:fld id="{A20994E6-E612-45B4-B7A8-79DA03870200}" type="datetimeFigureOut">
               <a:rPr lang="en-US" smtClean="0"/>
-              <a:t>07-Oct-24</a:t>
+              <a:t>21-Oct-24</a:t>
             </a:fld>
             <a:endParaRPr lang="en-US"/>
           </a:p>
@@ -3590,7 +3590,7 @@
         <p:spPr/>
         <p:txBody>
           <a:bodyPr>
-            <a:normAutofit lnSpcReduction="10000"/>
+            <a:normAutofit fontScale="85000" lnSpcReduction="10000"/>
           </a:bodyPr>
           <a:lstStyle/>
           <a:p>
@@ -3646,15 +3646,36 @@
               <a:rPr lang="sr-Cyrl-RS" dirty="0" smtClean="0">
                 <a:sym typeface="Wingdings" panose="05000000000000000000" pitchFamily="2" charset="2"/>
               </a:rPr>
-              <a:t>Избрисати слој са сунцем.</a:t>
-            </a:r>
+              <a:t>За слој са сунцем искључити видљивост.</a:t>
+            </a:r>
+            <a:endParaRPr lang="en-US" dirty="0" smtClean="0">
+              <a:sym typeface="Wingdings" panose="05000000000000000000" pitchFamily="2" charset="2"/>
+            </a:endParaRPr>
           </a:p>
           <a:p>
             <a:r>
               <a:rPr lang="sr-Cyrl-RS" dirty="0" smtClean="0">
                 <a:sym typeface="Wingdings" panose="05000000000000000000" pitchFamily="2" charset="2"/>
               </a:rPr>
-              <a:t>Копирати слој са позадином најмање 15 пута. </a:t>
+              <a:t>Копирати </a:t>
+            </a:r>
+            <a:r>
+              <a:rPr lang="sr-Cyrl-RS" dirty="0" smtClean="0">
+                <a:sym typeface="Wingdings" panose="05000000000000000000" pitchFamily="2" charset="2"/>
+              </a:rPr>
+              <a:t>слој са позадином најмање </a:t>
+            </a:r>
+            <a:r>
+              <a:rPr lang="sr-Cyrl-RS" dirty="0" smtClean="0">
+                <a:sym typeface="Wingdings" panose="05000000000000000000" pitchFamily="2" charset="2"/>
+              </a:rPr>
+              <a:t>10 </a:t>
+            </a:r>
+            <a:r>
+              <a:rPr lang="sr-Cyrl-RS" dirty="0" smtClean="0">
+                <a:sym typeface="Wingdings" panose="05000000000000000000" pitchFamily="2" charset="2"/>
+              </a:rPr>
+              <a:t>пута. </a:t>
             </a:r>
           </a:p>
           <a:p>
@@ -3686,7 +3707,39 @@
               <a:rPr lang="sr-Cyrl-RS" dirty="0" smtClean="0">
                 <a:sym typeface="Wingdings" panose="05000000000000000000" pitchFamily="2" charset="2"/>
               </a:rPr>
-              <a:t> налепити копирано сунце и позиционирати га у доњи леви угао.</a:t>
+              <a:t> налепити копирано сунце и позиционирати га у доњи леви угао</a:t>
+            </a:r>
+            <a:r>
+              <a:rPr lang="sr-Cyrl-RS" dirty="0" smtClean="0">
+                <a:sym typeface="Wingdings" panose="05000000000000000000" pitchFamily="2" charset="2"/>
+              </a:rPr>
+              <a:t>.</a:t>
+            </a:r>
+          </a:p>
+          <a:p>
+            <a:r>
+              <a:rPr lang="sr-Cyrl-RS" dirty="0" smtClean="0">
+                <a:sym typeface="Wingdings" panose="05000000000000000000" pitchFamily="2" charset="2"/>
+              </a:rPr>
+              <a:t>Затим десним тастером од</a:t>
+            </a:r>
+            <a:r>
+              <a:rPr lang="sr-Latn-RS" dirty="0" smtClean="0">
+                <a:sym typeface="Wingdings" panose="05000000000000000000" pitchFamily="2" charset="2"/>
+              </a:rPr>
+              <a:t>a</a:t>
+            </a:r>
+            <a:r>
+              <a:rPr lang="sr-Cyrl-RS" dirty="0" smtClean="0">
+                <a:sym typeface="Wingdings" panose="05000000000000000000" pitchFamily="2" charset="2"/>
+              </a:rPr>
+              <a:t>брати слој са копираним сунцем и пронаћи команду </a:t>
+            </a:r>
+            <a:r>
+              <a:rPr lang="sr-Latn-RS" dirty="0" smtClean="0">
+                <a:sym typeface="Wingdings" panose="05000000000000000000" pitchFamily="2" charset="2"/>
+              </a:rPr>
+              <a:t>Anchor Layer.</a:t>
             </a:r>
             <a:endParaRPr lang="en-US" dirty="0"/>
           </a:p>
@@ -3762,14 +3815,64 @@
         <p:spPr/>
         <p:txBody>
           <a:bodyPr>
-            <a:normAutofit lnSpcReduction="10000"/>
+            <a:normAutofit fontScale="92500" lnSpcReduction="20000"/>
           </a:bodyPr>
           <a:lstStyle/>
           <a:p>
             <a:r>
               <a:rPr lang="sr-Cyrl-RS" dirty="0" smtClean="0"/>
-              <a:t>На сваком следећем слоју изнад налепити сунце и померити га горе десно, пратећи полукружну путању.</a:t>
-            </a:r>
+              <a:t>На сваком следећем слоју изнад </a:t>
+            </a:r>
+            <a:r>
+              <a:rPr lang="sr-Cyrl-RS" dirty="0" smtClean="0"/>
+              <a:t>са </a:t>
+            </a:r>
+            <a:r>
+              <a:rPr lang="sr-Latn-RS" dirty="0" smtClean="0"/>
+              <a:t>Ctrl+V </a:t>
+            </a:r>
+            <a:r>
+              <a:rPr lang="sr-Cyrl-RS" dirty="0" smtClean="0"/>
+              <a:t>или </a:t>
+            </a:r>
+            <a:r>
+              <a:rPr lang="sr-Latn-RS" dirty="0" smtClean="0"/>
+              <a:t>Edit</a:t>
+            </a:r>
+            <a:r>
+              <a:rPr lang="sr-Latn-RS" dirty="0" smtClean="0">
+                <a:sym typeface="Wingdings" panose="05000000000000000000" pitchFamily="2" charset="2"/>
+              </a:rPr>
+              <a:t>Paste, </a:t>
+            </a:r>
+            <a:r>
+              <a:rPr lang="sr-Cyrl-RS" dirty="0" smtClean="0"/>
+              <a:t>налепити </a:t>
+            </a:r>
+            <a:r>
+              <a:rPr lang="sr-Cyrl-RS" dirty="0" smtClean="0"/>
+              <a:t>сунце и померити га горе десно, пратећи полукружну путању</a:t>
+            </a:r>
+            <a:r>
+              <a:rPr lang="sr-Cyrl-RS" dirty="0" smtClean="0"/>
+              <a:t>.</a:t>
+            </a:r>
+            <a:endParaRPr lang="sr-Latn-RS" dirty="0" smtClean="0"/>
+          </a:p>
+          <a:p>
+            <a:r>
+              <a:rPr lang="sr-Cyrl-RS" dirty="0" smtClean="0"/>
+              <a:t>Опет десним тастером миша на слој са копијом сунца одабрати команду </a:t>
+            </a:r>
+            <a:r>
+              <a:rPr lang="sr-Latn-RS" smtClean="0"/>
+              <a:t>Anchor Laye</a:t>
+            </a:r>
+            <a:r>
+              <a:rPr lang="sr-Latn-RS" smtClean="0"/>
+              <a:t>r.</a:t>
+            </a:r>
+            <a:endParaRPr lang="sr-Cyrl-RS" dirty="0" smtClean="0"/>
           </a:p>
           <a:p>
             <a:r>
